--- a/Python_introduction.pptx
+++ b/Python_introduction.pptx
@@ -108,6 +108,11 @@
       </a:defRPr>
     </a:lvl9pPr>
   </p:defaultTextStyle>
+  <p:extLst>
+    <p:ext uri="{EFAFB233-063F-42B5-8137-9DF3F51BA10A}">
+      <p15:sldGuideLst xmlns:p15="http://schemas.microsoft.com/office/powerpoint/2012/main"/>
+    </p:ext>
+  </p:extLst>
 </p:presentation>
 </file>
 
@@ -857,7 +862,7 @@
             <a:fld id="{B61BEF0D-F0BB-DE4B-95CE-6DB70DBA9567}" type="datetimeFigureOut">
               <a:rPr lang="en-US" dirty="0"/>
               <a:pPr/>
-              <a:t>7/15/2020</a:t>
+              <a:t>7/16/2020</a:t>
             </a:fld>
             <a:endParaRPr lang="en-US" dirty="0"/>
           </a:p>
@@ -1105,7 +1110,7 @@
             <a:fld id="{B61BEF0D-F0BB-DE4B-95CE-6DB70DBA9567}" type="datetimeFigureOut">
               <a:rPr lang="en-US" dirty="0"/>
               <a:pPr/>
-              <a:t>7/15/2020</a:t>
+              <a:t>7/16/2020</a:t>
             </a:fld>
             <a:endParaRPr lang="en-US" dirty="0"/>
           </a:p>
@@ -1416,7 +1421,7 @@
             <a:fld id="{B61BEF0D-F0BB-DE4B-95CE-6DB70DBA9567}" type="datetimeFigureOut">
               <a:rPr lang="en-US" dirty="0"/>
               <a:pPr/>
-              <a:t>7/15/2020</a:t>
+              <a:t>7/16/2020</a:t>
             </a:fld>
             <a:endParaRPr lang="en-US" dirty="0"/>
           </a:p>
@@ -1746,7 +1751,7 @@
             <a:fld id="{B61BEF0D-F0BB-DE4B-95CE-6DB70DBA9567}" type="datetimeFigureOut">
               <a:rPr lang="en-US" dirty="0"/>
               <a:pPr/>
-              <a:t>7/15/2020</a:t>
+              <a:t>7/16/2020</a:t>
             </a:fld>
             <a:endParaRPr lang="en-US" dirty="0"/>
           </a:p>
@@ -2057,7 +2062,7 @@
             <a:fld id="{B61BEF0D-F0BB-DE4B-95CE-6DB70DBA9567}" type="datetimeFigureOut">
               <a:rPr lang="en-US" dirty="0"/>
               <a:pPr/>
-              <a:t>7/15/2020</a:t>
+              <a:t>7/16/2020</a:t>
             </a:fld>
             <a:endParaRPr lang="en-US" dirty="0"/>
           </a:p>
@@ -2447,7 +2452,7 @@
             <a:fld id="{B61BEF0D-F0BB-DE4B-95CE-6DB70DBA9567}" type="datetimeFigureOut">
               <a:rPr lang="en-US" dirty="0"/>
               <a:pPr/>
-              <a:t>7/15/2020</a:t>
+              <a:t>7/16/2020</a:t>
             </a:fld>
             <a:endParaRPr lang="en-US" dirty="0"/>
           </a:p>
@@ -2613,7 +2618,7 @@
           <a:p>
             <a:fld id="{55C6B4A9-1611-4792-9094-5F34BCA07E0B}" type="datetimeFigureOut">
               <a:rPr lang="en-US" dirty="0"/>
-              <a:t>7/15/2020</a:t>
+              <a:t>7/16/2020</a:t>
             </a:fld>
             <a:endParaRPr lang="en-US" dirty="0"/>
           </a:p>
@@ -2789,7 +2794,7 @@
             <a:fld id="{B61BEF0D-F0BB-DE4B-95CE-6DB70DBA9567}" type="datetimeFigureOut">
               <a:rPr lang="en-US" dirty="0"/>
               <a:pPr/>
-              <a:t>7/15/2020</a:t>
+              <a:t>7/16/2020</a:t>
             </a:fld>
             <a:endParaRPr lang="en-US" dirty="0"/>
           </a:p>
@@ -2955,7 +2960,7 @@
           <a:p>
             <a:fld id="{42A54C80-263E-416B-A8E0-580EDEADCBDC}" type="datetimeFigureOut">
               <a:rPr lang="en-US" dirty="0"/>
-              <a:t>7/15/2020</a:t>
+              <a:t>7/16/2020</a:t>
             </a:fld>
             <a:endParaRPr lang="en-US" dirty="0"/>
           </a:p>
@@ -3198,7 +3203,7 @@
             <a:fld id="{B61BEF0D-F0BB-DE4B-95CE-6DB70DBA9567}" type="datetimeFigureOut">
               <a:rPr lang="en-US" dirty="0"/>
               <a:pPr/>
-              <a:t>7/15/2020</a:t>
+              <a:t>7/16/2020</a:t>
             </a:fld>
             <a:endParaRPr lang="en-US" dirty="0"/>
           </a:p>
@@ -3426,7 +3431,7 @@
           <a:p>
             <a:fld id="{42A54C80-263E-416B-A8E0-580EDEADCBDC}" type="datetimeFigureOut">
               <a:rPr lang="en-US" dirty="0"/>
-              <a:t>7/15/2020</a:t>
+              <a:t>7/16/2020</a:t>
             </a:fld>
             <a:endParaRPr lang="en-US" dirty="0"/>
           </a:p>
@@ -3796,7 +3801,7 @@
             <a:fld id="{B61BEF0D-F0BB-DE4B-95CE-6DB70DBA9567}" type="datetimeFigureOut">
               <a:rPr lang="en-US" dirty="0"/>
               <a:pPr/>
-              <a:t>7/15/2020</a:t>
+              <a:t>7/16/2020</a:t>
             </a:fld>
             <a:endParaRPr lang="en-US" dirty="0"/>
           </a:p>
@@ -3916,7 +3921,7 @@
             <a:fld id="{B61BEF0D-F0BB-DE4B-95CE-6DB70DBA9567}" type="datetimeFigureOut">
               <a:rPr lang="en-US" dirty="0"/>
               <a:pPr/>
-              <a:t>7/15/2020</a:t>
+              <a:t>7/16/2020</a:t>
             </a:fld>
             <a:endParaRPr lang="en-US" dirty="0"/>
           </a:p>
@@ -4008,7 +4013,7 @@
             <a:fld id="{B61BEF0D-F0BB-DE4B-95CE-6DB70DBA9567}" type="datetimeFigureOut">
               <a:rPr lang="en-US" dirty="0"/>
               <a:pPr/>
-              <a:t>7/15/2020</a:t>
+              <a:t>7/16/2020</a:t>
             </a:fld>
             <a:endParaRPr lang="en-US" dirty="0"/>
           </a:p>
@@ -4259,7 +4264,7 @@
           <a:p>
             <a:fld id="{42A54C80-263E-416B-A8E0-580EDEADCBDC}" type="datetimeFigureOut">
               <a:rPr lang="en-US" dirty="0"/>
-              <a:t>7/15/2020</a:t>
+              <a:t>7/16/2020</a:t>
             </a:fld>
             <a:endParaRPr lang="en-US" dirty="0"/>
           </a:p>
@@ -4561,7 +4566,7 @@
             <a:fld id="{B61BEF0D-F0BB-DE4B-95CE-6DB70DBA9567}" type="datetimeFigureOut">
               <a:rPr lang="en-US" dirty="0"/>
               <a:pPr/>
-              <a:t>7/15/2020</a:t>
+              <a:t>7/16/2020</a:t>
             </a:fld>
             <a:endParaRPr lang="en-US" dirty="0"/>
           </a:p>
@@ -5264,7 +5269,7 @@
             <a:fld id="{B61BEF0D-F0BB-DE4B-95CE-6DB70DBA9567}" type="datetimeFigureOut">
               <a:rPr lang="en-US" dirty="0"/>
               <a:pPr/>
-              <a:t>7/15/2020</a:t>
+              <a:t>7/16/2020</a:t>
             </a:fld>
             <a:endParaRPr lang="en-US" dirty="0"/>
           </a:p>
@@ -8074,7 +8079,7 @@
             <a:p>
               <a:r>
                 <a:rPr lang="en-US" sz="2800" dirty="0"/>
-                <a:t>36</a:t>
+                <a:t>37</a:t>
               </a:r>
               <a:endParaRPr lang="en-IN" sz="2800" dirty="0"/>
             </a:p>
